--- a/Secure_File_Encryptor_Presentation.pptx
+++ b/Secure_File_Encryptor_Presentation.pptx
@@ -277,7 +277,7 @@
           <a:p>
             <a:fld id="{5BCAD085-E8A6-8845-BD4E-CB4CCA059FC4}" type="datetimeFigureOut">
               <a:rPr lang="en-US" smtClean="0"/>
-              <a:t>5/28/2025</a:t>
+              <a:t>6/2/2025</a:t>
             </a:fld>
             <a:endParaRPr lang="en-US"/>
           </a:p>
@@ -488,7 +488,7 @@
           <a:p>
             <a:fld id="{5BCAD085-E8A6-8845-BD4E-CB4CCA059FC4}" type="datetimeFigureOut">
               <a:rPr lang="en-US" smtClean="0"/>
-              <a:t>5/28/2025</a:t>
+              <a:t>6/2/2025</a:t>
             </a:fld>
             <a:endParaRPr lang="en-US"/>
           </a:p>
@@ -703,7 +703,7 @@
           <a:p>
             <a:fld id="{5BCAD085-E8A6-8845-BD4E-CB4CCA059FC4}" type="datetimeFigureOut">
               <a:rPr lang="en-US" smtClean="0"/>
-              <a:t>5/28/2025</a:t>
+              <a:t>6/2/2025</a:t>
             </a:fld>
             <a:endParaRPr lang="en-US"/>
           </a:p>
@@ -904,7 +904,7 @@
           <a:p>
             <a:fld id="{5BCAD085-E8A6-8845-BD4E-CB4CCA059FC4}" type="datetimeFigureOut">
               <a:rPr lang="en-US" smtClean="0"/>
-              <a:t>5/28/2025</a:t>
+              <a:t>6/2/2025</a:t>
             </a:fld>
             <a:endParaRPr lang="en-US"/>
           </a:p>
@@ -1183,7 +1183,7 @@
           <a:p>
             <a:fld id="{5BCAD085-E8A6-8845-BD4E-CB4CCA059FC4}" type="datetimeFigureOut">
               <a:rPr lang="en-US" smtClean="0"/>
-              <a:t>5/28/2025</a:t>
+              <a:t>6/2/2025</a:t>
             </a:fld>
             <a:endParaRPr lang="en-US"/>
           </a:p>
@@ -1451,7 +1451,7 @@
           <a:p>
             <a:fld id="{5BCAD085-E8A6-8845-BD4E-CB4CCA059FC4}" type="datetimeFigureOut">
               <a:rPr lang="en-US" smtClean="0"/>
-              <a:t>5/28/2025</a:t>
+              <a:t>6/2/2025</a:t>
             </a:fld>
             <a:endParaRPr lang="en-US"/>
           </a:p>
@@ -1867,7 +1867,7 @@
           <a:p>
             <a:fld id="{5BCAD085-E8A6-8845-BD4E-CB4CCA059FC4}" type="datetimeFigureOut">
               <a:rPr lang="en-US" smtClean="0"/>
-              <a:t>5/28/2025</a:t>
+              <a:t>6/2/2025</a:t>
             </a:fld>
             <a:endParaRPr lang="en-US"/>
           </a:p>
@@ -2016,7 +2016,7 @@
           <a:p>
             <a:fld id="{5BCAD085-E8A6-8845-BD4E-CB4CCA059FC4}" type="datetimeFigureOut">
               <a:rPr lang="en-US" smtClean="0"/>
-              <a:t>5/28/2025</a:t>
+              <a:t>6/2/2025</a:t>
             </a:fld>
             <a:endParaRPr lang="en-US"/>
           </a:p>
@@ -2142,7 +2142,7 @@
           <a:p>
             <a:fld id="{5BCAD085-E8A6-8845-BD4E-CB4CCA059FC4}" type="datetimeFigureOut">
               <a:rPr lang="en-US" smtClean="0"/>
-              <a:t>5/28/2025</a:t>
+              <a:t>6/2/2025</a:t>
             </a:fld>
             <a:endParaRPr lang="en-US"/>
           </a:p>
@@ -2393,7 +2393,7 @@
           <a:p>
             <a:fld id="{5BCAD085-E8A6-8845-BD4E-CB4CCA059FC4}" type="datetimeFigureOut">
               <a:rPr lang="en-US" smtClean="0"/>
-              <a:t>5/28/2025</a:t>
+              <a:t>6/2/2025</a:t>
             </a:fld>
             <a:endParaRPr lang="en-US"/>
           </a:p>
@@ -2838,7 +2838,7 @@
           <a:p>
             <a:fld id="{5BCAD085-E8A6-8845-BD4E-CB4CCA059FC4}" type="datetimeFigureOut">
               <a:rPr lang="en-US" smtClean="0"/>
-              <a:t>5/28/2025</a:t>
+              <a:t>6/2/2025</a:t>
             </a:fld>
             <a:endParaRPr lang="en-US"/>
           </a:p>
@@ -3165,7 +3165,7 @@
           <a:p>
             <a:fld id="{5BCAD085-E8A6-8845-BD4E-CB4CCA059FC4}" type="datetimeFigureOut">
               <a:rPr lang="en-US" smtClean="0"/>
-              <a:t>5/28/2025</a:t>
+              <a:t>6/2/2025</a:t>
             </a:fld>
             <a:endParaRPr lang="en-US"/>
           </a:p>
@@ -3888,42 +3888,65 @@
           </a:p>
         </p:txBody>
       </p:sp>
-      <p:sp>
-        <p:nvSpPr>
-          <p:cNvPr id="3" name="Content Placeholder 2"/>
-          <p:cNvSpPr>
-            <a:spLocks noGrp="1"/>
-          </p:cNvSpPr>
+      <p:pic>
+        <p:nvPicPr>
+          <p:cNvPr id="5" name="Content Placeholder 4" descr="A screenshot of a computer&#10;&#10;AI-generated content may be incorrect.">
+            <a:extLst>
+              <a:ext uri="{FF2B5EF4-FFF2-40B4-BE49-F238E27FC236}">
+                <a16:creationId xmlns:a16="http://schemas.microsoft.com/office/drawing/2014/main" id="{E40867F7-A20B-9E84-04E1-39B7B2F851B0}"/>
+              </a:ext>
+            </a:extLst>
+          </p:cNvPr>
+          <p:cNvPicPr>
+            <a:picLocks noGrp="1" noChangeAspect="1"/>
+          </p:cNvPicPr>
           <p:nvPr>
             <p:ph idx="1"/>
           </p:nvPr>
-        </p:nvSpPr>
-        <p:spPr/>
-        <p:txBody>
-          <a:bodyPr/>
-          <a:lstStyle/>
-          <a:p>
-            <a:r>
-              <a:t>✔ File Selection</a:t>
-            </a:r>
-          </a:p>
-          <a:p>
-            <a:r>
-              <a:t>✔ Algorithm Selection</a:t>
-            </a:r>
-          </a:p>
-          <a:p>
-            <a:r>
-              <a:t>✔ Key Entry</a:t>
-            </a:r>
-          </a:p>
-          <a:p>
-            <a:r>
-              <a:t>✔ File Encryption</a:t>
-            </a:r>
-          </a:p>
-        </p:txBody>
-      </p:sp>
+        </p:nvPicPr>
+        <p:blipFill>
+          <a:blip r:embed="rId2"/>
+          <a:stretch>
+            <a:fillRect/>
+          </a:stretch>
+        </p:blipFill>
+        <p:spPr>
+          <a:xfrm>
+            <a:off x="1225869" y="2016125"/>
+            <a:ext cx="4386124" cy="3449638"/>
+          </a:xfrm>
+        </p:spPr>
+      </p:pic>
+      <p:pic>
+        <p:nvPicPr>
+          <p:cNvPr id="7" name="Picture 6" descr="A screenshot of a computer&#10;&#10;AI-generated content may be incorrect.">
+            <a:extLst>
+              <a:ext uri="{FF2B5EF4-FFF2-40B4-BE49-F238E27FC236}">
+                <a16:creationId xmlns:a16="http://schemas.microsoft.com/office/drawing/2014/main" id="{8FE37CAB-1F12-BCBF-F7DE-E14A4573EF51}"/>
+              </a:ext>
+            </a:extLst>
+          </p:cNvPr>
+          <p:cNvPicPr>
+            <a:picLocks noChangeAspect="1"/>
+          </p:cNvPicPr>
+          <p:nvPr/>
+        </p:nvPicPr>
+        <p:blipFill>
+          <a:blip r:embed="rId3"/>
+          <a:stretch>
+            <a:fillRect/>
+          </a:stretch>
+        </p:blipFill>
+        <p:spPr>
+          <a:xfrm>
+            <a:off x="6587036" y="2016124"/>
+            <a:ext cx="4379095" cy="3449639"/>
+          </a:xfrm>
+          <a:prstGeom prst="rect">
+            <a:avLst/>
+          </a:prstGeom>
+        </p:spPr>
+      </p:pic>
     </p:spTree>
   </p:cSld>
   <p:clrMapOvr>
